--- a/teaching/rmsc5102/2020S/review_final.pptx
+++ b/teaching/rmsc5102/2020S/review_final.pptx
@@ -227,7 +227,7 @@
           <a:p>
             <a:fld id="{42519BDE-86B4-4700-8232-A1ED5A6212D0}" type="datetimeFigureOut">
               <a:rPr lang="en-HK" smtClean="0"/>
-              <a:t>21/4/2020</a:t>
+              <a:t>22/4/2020</a:t>
             </a:fld>
             <a:endParaRPr lang="en-HK"/>
           </a:p>
@@ -739,7 +739,7 @@
           <a:p>
             <a:fld id="{CBC46C4F-FC7A-4CD5-B0C1-11210550C48F}" type="datetime1">
               <a:rPr lang="en-US" smtClean="0"/>
-              <a:t>4/21/2020</a:t>
+              <a:t>4/22/2020</a:t>
             </a:fld>
             <a:endParaRPr lang="en-US" dirty="0"/>
           </a:p>
@@ -927,7 +927,7 @@
           <a:p>
             <a:fld id="{F8C26E58-1AD8-46CC-956F-0E1181258A80}" type="datetime1">
               <a:rPr lang="en-US" smtClean="0"/>
-              <a:t>4/21/2020</a:t>
+              <a:t>4/22/2020</a:t>
             </a:fld>
             <a:endParaRPr lang="en-US" dirty="0"/>
           </a:p>
@@ -1300,7 +1300,7 @@
           <a:p>
             <a:fld id="{64F4A5E9-DA09-4839-88EF-C2D715E425F0}" type="datetime1">
               <a:rPr lang="en-US" smtClean="0"/>
-              <a:t>4/21/2020</a:t>
+              <a:t>4/22/2020</a:t>
             </a:fld>
             <a:endParaRPr lang="en-US" dirty="0"/>
           </a:p>
@@ -1555,7 +1555,7 @@
           <a:p>
             <a:fld id="{0A5CDCC4-F4BB-4BE8-BE28-B4F06C84BE5D}" type="datetime1">
               <a:rPr lang="en-US" smtClean="0"/>
-              <a:t>4/21/2020</a:t>
+              <a:t>4/22/2020</a:t>
             </a:fld>
             <a:endParaRPr lang="en-US" dirty="0"/>
           </a:p>
@@ -1952,7 +1952,7 @@
           <a:p>
             <a:fld id="{47DB6436-37AF-43A0-9A1C-688E00FE11FD}" type="datetime1">
               <a:rPr lang="en-US" smtClean="0"/>
-              <a:t>4/21/2020</a:t>
+              <a:t>4/22/2020</a:t>
             </a:fld>
             <a:endParaRPr lang="en-US" dirty="0"/>
           </a:p>
@@ -2088,7 +2088,7 @@
           <a:p>
             <a:fld id="{4CF1F588-1510-41BF-892F-50AFCACBA23B}" type="datetime1">
               <a:rPr lang="en-US" smtClean="0"/>
-              <a:t>4/21/2020</a:t>
+              <a:t>4/22/2020</a:t>
             </a:fld>
             <a:endParaRPr lang="en-US" dirty="0"/>
           </a:p>
@@ -2245,7 +2245,7 @@
           <a:p>
             <a:fld id="{6C6615EA-C6C0-4616-8132-886CC223E2C3}" type="datetime1">
               <a:rPr lang="en-US" smtClean="0"/>
-              <a:t>4/21/2020</a:t>
+              <a:t>4/22/2020</a:t>
             </a:fld>
             <a:endParaRPr lang="en-US" dirty="0"/>
           </a:p>
@@ -2574,7 +2574,7 @@
           <a:p>
             <a:fld id="{1D094144-CAD9-4AAA-B9EE-E08D62581C0C}" type="datetime1">
               <a:rPr lang="en-US" smtClean="0"/>
-              <a:t>4/21/2020</a:t>
+              <a:t>4/22/2020</a:t>
             </a:fld>
             <a:endParaRPr lang="en-US" dirty="0"/>
           </a:p>
@@ -2924,7 +2924,7 @@
           <a:p>
             <a:fld id="{F05B257B-2EC5-43AB-97F2-5F38F5705F2F}" type="datetime1">
               <a:rPr lang="en-US" smtClean="0"/>
-              <a:t>4/21/2020</a:t>
+              <a:t>4/22/2020</a:t>
             </a:fld>
             <a:endParaRPr lang="en-US" dirty="0"/>
           </a:p>
@@ -3185,7 +3185,7 @@
           <a:p>
             <a:fld id="{915C8412-FCF0-4CD5-9B59-B223B899AC72}" type="datetime1">
               <a:rPr lang="en-US" smtClean="0"/>
-              <a:t>4/21/2020</a:t>
+              <a:t>4/22/2020</a:t>
             </a:fld>
             <a:endParaRPr lang="en-US" dirty="0"/>
           </a:p>
@@ -12180,8 +12180,8 @@
           </a:p>
         </p:txBody>
       </p:sp>
-      <mc:AlternateContent xmlns:mc="http://schemas.openxmlformats.org/markup-compatibility/2006" xmlns:a14="http://schemas.microsoft.com/office/drawing/2010/main">
-        <mc:Choice Requires="a14">
+      <mc:AlternateContent xmlns:mc="http://schemas.openxmlformats.org/markup-compatibility/2006">
+        <mc:Choice xmlns:a14="http://schemas.microsoft.com/office/drawing/2010/main" Requires="a14">
           <p:sp>
             <p:nvSpPr>
               <p:cNvPr id="3" name="Content Placeholder 2">
@@ -12701,13 +12701,21 @@
                 <a:pPr lvl="1"/>
                 <a:r>
                   <a:rPr lang="en-HK" dirty="0"/>
-                  <a:t>This is kind of like adjusting for adjust for conditional probability</a:t>
+                  <a:t>This is kind of like adjusting </a:t>
+                </a:r>
+                <a:r>
+                  <a:rPr lang="en-HK"/>
+                  <a:t>for conditional </a:t>
+                </a:r>
+                <a:r>
+                  <a:rPr lang="en-HK" dirty="0"/>
+                  <a:t>probability</a:t>
                 </a:r>
               </a:p>
             </p:txBody>
           </p:sp>
         </mc:Choice>
-        <mc:Fallback xmlns="">
+        <mc:Fallback>
           <p:sp>
             <p:nvSpPr>
               <p:cNvPr id="3" name="Content Placeholder 2">
@@ -18611,18 +18619,18 @@
 </file>
 
 <file path=customXml/item1.xml><?xml version="1.0" encoding="utf-8"?>
-<p:properties xmlns:p="http://schemas.microsoft.com/office/2006/metadata/properties" xmlns:xsi="http://www.w3.org/2001/XMLSchema-instance" xmlns:pc="http://schemas.microsoft.com/office/infopath/2007/PartnerControls">
-  <documentManagement/>
-</p:properties>
-</file>
-
-<file path=customXml/item2.xml><?xml version="1.0" encoding="utf-8"?>
 <?mso-contentType ?>
 <FormTemplates xmlns="http://schemas.microsoft.com/sharepoint/v3/contenttype/forms">
   <Display>DocumentLibraryForm</Display>
   <Edit>DocumentLibraryForm</Edit>
   <New>DocumentLibraryForm</New>
 </FormTemplates>
+</file>
+
+<file path=customXml/item2.xml><?xml version="1.0" encoding="utf-8"?>
+<p:properties xmlns:p="http://schemas.microsoft.com/office/2006/metadata/properties" xmlns:xsi="http://www.w3.org/2001/XMLSchema-instance" xmlns:pc="http://schemas.microsoft.com/office/infopath/2007/PartnerControls">
+  <documentManagement/>
+</p:properties>
 </file>
 
 <file path=customXml/item3.xml><?xml version="1.0" encoding="utf-8"?>
@@ -18835,6 +18843,14 @@
 </file>
 
 <file path=customXml/itemProps1.xml><?xml version="1.0" encoding="utf-8"?>
+<ds:datastoreItem xmlns:ds="http://schemas.openxmlformats.org/officeDocument/2006/customXml" ds:itemID="{AA3F7EDC-E5B4-4BBC-9D2A-CBE6D46C37AD}">
+  <ds:schemaRefs>
+    <ds:schemaRef ds:uri="http://schemas.microsoft.com/sharepoint/v3/contenttype/forms"/>
+  </ds:schemaRefs>
+</ds:datastoreItem>
+</file>
+
+<file path=customXml/itemProps2.xml><?xml version="1.0" encoding="utf-8"?>
 <ds:datastoreItem xmlns:ds="http://schemas.openxmlformats.org/officeDocument/2006/customXml" ds:itemID="{A03EEFF0-FB57-4CB4-8BFC-DF397689E2ED}">
   <ds:schemaRefs>
     <ds:schemaRef ds:uri="http://schemas.microsoft.com/office/2006/documentManagement/types"/>
@@ -18847,14 +18863,6 @@
     <ds:schemaRef ds:uri="http://schemas.microsoft.com/office/infopath/2007/PartnerControls"/>
     <ds:schemaRef ds:uri="http://schemas.openxmlformats.org/package/2006/metadata/core-properties"/>
     <ds:schemaRef ds:uri="http://purl.org/dc/terms/"/>
-  </ds:schemaRefs>
-</ds:datastoreItem>
-</file>
-
-<file path=customXml/itemProps2.xml><?xml version="1.0" encoding="utf-8"?>
-<ds:datastoreItem xmlns:ds="http://schemas.openxmlformats.org/officeDocument/2006/customXml" ds:itemID="{AA3F7EDC-E5B4-4BBC-9D2A-CBE6D46C37AD}">
-  <ds:schemaRefs>
-    <ds:schemaRef ds:uri="http://schemas.microsoft.com/sharepoint/v3/contenttype/forms"/>
   </ds:schemaRefs>
 </ds:datastoreItem>
 </file>
